--- a/Export_and_Visualization_Schemas_Versions_from_JSON_Data/presentation/Presentation.pptx
+++ b/Export_and_Visualization_Schemas_Versions_from_JSON_Data/presentation/Presentation.pptx
@@ -18363,84 +18363,6 @@
           </a:p>
         </p:txBody>
       </p:sp>
-      <p:pic>
-        <p:nvPicPr>
-          <p:cNvPr id="4" name="Εικόνα 3">
-            <a:extLst>
-              <a:ext uri="{FF2B5EF4-FFF2-40B4-BE49-F238E27FC236}">
-                <a16:creationId xmlns:a16="http://schemas.microsoft.com/office/drawing/2014/main" id="{380547F3-4857-43D4-B47C-B4A35ABF9676}"/>
-              </a:ext>
-            </a:extLst>
-          </p:cNvPr>
-          <p:cNvPicPr/>
-          <p:nvPr/>
-        </p:nvPicPr>
-        <p:blipFill>
-          <a:blip r:embed="rId2">
-            <a:extLst>
-              <a:ext uri="{28A0092B-C50C-407E-A947-70E740481C1C}">
-                <a14:useLocalDpi xmlns:a14="http://schemas.microsoft.com/office/drawing/2010/main" val="0"/>
-              </a:ext>
-            </a:extLst>
-          </a:blip>
-          <a:srcRect/>
-          <a:stretch>
-            <a:fillRect/>
-          </a:stretch>
-        </p:blipFill>
-        <p:spPr bwMode="auto">
-          <a:xfrm>
-            <a:off x="1556450" y="1619659"/>
-            <a:ext cx="2936493" cy="3618682"/>
-          </a:xfrm>
-          <a:prstGeom prst="rect">
-            <a:avLst/>
-          </a:prstGeom>
-          <a:noFill/>
-          <a:ln>
-            <a:noFill/>
-          </a:ln>
-        </p:spPr>
-      </p:pic>
-      <p:pic>
-        <p:nvPicPr>
-          <p:cNvPr id="5" name="Εικόνα 5">
-            <a:extLst>
-              <a:ext uri="{FF2B5EF4-FFF2-40B4-BE49-F238E27FC236}">
-                <a16:creationId xmlns:a16="http://schemas.microsoft.com/office/drawing/2014/main" id="{E6C4CC97-E465-4E54-9549-AC5C817B696A}"/>
-              </a:ext>
-            </a:extLst>
-          </p:cNvPr>
-          <p:cNvPicPr/>
-          <p:nvPr/>
-        </p:nvPicPr>
-        <p:blipFill>
-          <a:blip r:embed="rId3">
-            <a:extLst>
-              <a:ext uri="{28A0092B-C50C-407E-A947-70E740481C1C}">
-                <a14:useLocalDpi xmlns:a14="http://schemas.microsoft.com/office/drawing/2010/main" val="0"/>
-              </a:ext>
-            </a:extLst>
-          </a:blip>
-          <a:srcRect/>
-          <a:stretch>
-            <a:fillRect/>
-          </a:stretch>
-        </p:blipFill>
-        <p:spPr bwMode="auto">
-          <a:xfrm>
-            <a:off x="6576968" y="1321266"/>
-            <a:ext cx="4603867" cy="4551028"/>
-          </a:xfrm>
-          <a:prstGeom prst="rect">
-            <a:avLst/>
-          </a:prstGeom>
-          <a:noFill/>
-          <a:ln>
-            <a:noFill/>
-          </a:ln>
-        </p:spPr>
-      </p:pic>
       <p:sp>
         <p:nvSpPr>
           <p:cNvPr id="6" name="TextBox 5">
@@ -18493,7 +18415,7 @@
         </p:nvSpPr>
         <p:spPr>
           <a:xfrm>
-            <a:off x="6456727" y="6073629"/>
+            <a:off x="4686975" y="6488667"/>
             <a:ext cx="5162888" cy="369332"/>
           </a:xfrm>
           <a:prstGeom prst="rect">
@@ -18528,6 +18450,78 @@
           </a:p>
         </p:txBody>
       </p:sp>
+      <p:pic>
+        <p:nvPicPr>
+          <p:cNvPr id="8" name="Picture 7" descr="A screenshot of a cell phone&#10;&#10;Description automatically generated">
+            <a:extLst>
+              <a:ext uri="{FF2B5EF4-FFF2-40B4-BE49-F238E27FC236}">
+                <a16:creationId xmlns:a16="http://schemas.microsoft.com/office/drawing/2014/main" id="{115B3D15-BAB5-4680-9E2E-50914BD1750B}"/>
+              </a:ext>
+            </a:extLst>
+          </p:cNvPr>
+          <p:cNvPicPr>
+            <a:picLocks noChangeAspect="1"/>
+          </p:cNvPicPr>
+          <p:nvPr/>
+        </p:nvPicPr>
+        <p:blipFill>
+          <a:blip r:embed="rId2">
+            <a:extLst>
+              <a:ext uri="{28A0092B-C50C-407E-A947-70E740481C1C}">
+                <a14:useLocalDpi xmlns:a14="http://schemas.microsoft.com/office/drawing/2010/main" val="0"/>
+              </a:ext>
+            </a:extLst>
+          </a:blip>
+          <a:stretch>
+            <a:fillRect/>
+          </a:stretch>
+        </p:blipFill>
+        <p:spPr>
+          <a:xfrm>
+            <a:off x="1198927" y="2573498"/>
+            <a:ext cx="3488048" cy="2929464"/>
+          </a:xfrm>
+          <a:prstGeom prst="rect">
+            <a:avLst/>
+          </a:prstGeom>
+        </p:spPr>
+      </p:pic>
+      <p:pic>
+        <p:nvPicPr>
+          <p:cNvPr id="10" name="Picture 9" descr="A close up of a map&#10;&#10;Description automatically generated">
+            <a:extLst>
+              <a:ext uri="{FF2B5EF4-FFF2-40B4-BE49-F238E27FC236}">
+                <a16:creationId xmlns:a16="http://schemas.microsoft.com/office/drawing/2014/main" id="{2E5741A5-C093-4EAD-A7FC-712921D73760}"/>
+              </a:ext>
+            </a:extLst>
+          </p:cNvPr>
+          <p:cNvPicPr>
+            <a:picLocks noChangeAspect="1"/>
+          </p:cNvPicPr>
+          <p:nvPr/>
+        </p:nvPicPr>
+        <p:blipFill>
+          <a:blip r:embed="rId3">
+            <a:extLst>
+              <a:ext uri="{28A0092B-C50C-407E-A947-70E740481C1C}">
+                <a14:useLocalDpi xmlns:a14="http://schemas.microsoft.com/office/drawing/2010/main" val="0"/>
+              </a:ext>
+            </a:extLst>
+          </a:blip>
+          <a:stretch>
+            <a:fillRect/>
+          </a:stretch>
+        </p:blipFill>
+        <p:spPr>
+          <a:xfrm>
+            <a:off x="5241768" y="1128426"/>
+            <a:ext cx="6762877" cy="5360242"/>
+          </a:xfrm>
+          <a:prstGeom prst="rect">
+            <a:avLst/>
+          </a:prstGeom>
+        </p:spPr>
+      </p:pic>
     </p:spTree>
     <p:extLst>
       <p:ext uri="{BB962C8B-B14F-4D97-AF65-F5344CB8AC3E}">

--- a/Export_and_Visualization_Schemas_Versions_from_JSON_Data/presentation/Presentation.pptx
+++ b/Export_and_Visualization_Schemas_Versions_from_JSON_Data/presentation/Presentation.pptx
@@ -2396,7 +2396,7 @@
           <a:p>
             <a:fld id="{2409B469-0940-4033-AC21-E12CEF48AD07}" type="datetimeFigureOut">
               <a:rPr lang="el-GR" smtClean="0"/>
-              <a:t>15/7/2020</a:t>
+              <a:t>19/7/2020</a:t>
             </a:fld>
             <a:endParaRPr lang="el-GR"/>
           </a:p>
@@ -2596,7 +2596,7 @@
           <a:p>
             <a:fld id="{2409B469-0940-4033-AC21-E12CEF48AD07}" type="datetimeFigureOut">
               <a:rPr lang="el-GR" smtClean="0"/>
-              <a:t>15/7/2020</a:t>
+              <a:t>19/7/2020</a:t>
             </a:fld>
             <a:endParaRPr lang="el-GR"/>
           </a:p>
@@ -2806,7 +2806,7 @@
           <a:p>
             <a:fld id="{2409B469-0940-4033-AC21-E12CEF48AD07}" type="datetimeFigureOut">
               <a:rPr lang="el-GR" smtClean="0"/>
-              <a:t>15/7/2020</a:t>
+              <a:t>19/7/2020</a:t>
             </a:fld>
             <a:endParaRPr lang="el-GR"/>
           </a:p>
@@ -3006,7 +3006,7 @@
           <a:p>
             <a:fld id="{2409B469-0940-4033-AC21-E12CEF48AD07}" type="datetimeFigureOut">
               <a:rPr lang="el-GR" smtClean="0"/>
-              <a:t>15/7/2020</a:t>
+              <a:t>19/7/2020</a:t>
             </a:fld>
             <a:endParaRPr lang="el-GR"/>
           </a:p>
@@ -3282,7 +3282,7 @@
           <a:p>
             <a:fld id="{2409B469-0940-4033-AC21-E12CEF48AD07}" type="datetimeFigureOut">
               <a:rPr lang="el-GR" smtClean="0"/>
-              <a:t>15/7/2020</a:t>
+              <a:t>19/7/2020</a:t>
             </a:fld>
             <a:endParaRPr lang="el-GR"/>
           </a:p>
@@ -3550,7 +3550,7 @@
           <a:p>
             <a:fld id="{2409B469-0940-4033-AC21-E12CEF48AD07}" type="datetimeFigureOut">
               <a:rPr lang="el-GR" smtClean="0"/>
-              <a:t>15/7/2020</a:t>
+              <a:t>19/7/2020</a:t>
             </a:fld>
             <a:endParaRPr lang="el-GR"/>
           </a:p>
@@ -3965,7 +3965,7 @@
           <a:p>
             <a:fld id="{2409B469-0940-4033-AC21-E12CEF48AD07}" type="datetimeFigureOut">
               <a:rPr lang="el-GR" smtClean="0"/>
-              <a:t>15/7/2020</a:t>
+              <a:t>19/7/2020</a:t>
             </a:fld>
             <a:endParaRPr lang="el-GR"/>
           </a:p>
@@ -4107,7 +4107,7 @@
           <a:p>
             <a:fld id="{2409B469-0940-4033-AC21-E12CEF48AD07}" type="datetimeFigureOut">
               <a:rPr lang="el-GR" smtClean="0"/>
-              <a:t>15/7/2020</a:t>
+              <a:t>19/7/2020</a:t>
             </a:fld>
             <a:endParaRPr lang="el-GR"/>
           </a:p>
@@ -4220,7 +4220,7 @@
           <a:p>
             <a:fld id="{2409B469-0940-4033-AC21-E12CEF48AD07}" type="datetimeFigureOut">
               <a:rPr lang="el-GR" smtClean="0"/>
-              <a:t>15/7/2020</a:t>
+              <a:t>19/7/2020</a:t>
             </a:fld>
             <a:endParaRPr lang="el-GR"/>
           </a:p>
@@ -4533,7 +4533,7 @@
           <a:p>
             <a:fld id="{2409B469-0940-4033-AC21-E12CEF48AD07}" type="datetimeFigureOut">
               <a:rPr lang="el-GR" smtClean="0"/>
-              <a:t>15/7/2020</a:t>
+              <a:t>19/7/2020</a:t>
             </a:fld>
             <a:endParaRPr lang="el-GR"/>
           </a:p>
@@ -4822,7 +4822,7 @@
           <a:p>
             <a:fld id="{2409B469-0940-4033-AC21-E12CEF48AD07}" type="datetimeFigureOut">
               <a:rPr lang="el-GR" smtClean="0"/>
-              <a:t>15/7/2020</a:t>
+              <a:t>19/7/2020</a:t>
             </a:fld>
             <a:endParaRPr lang="el-GR"/>
           </a:p>
@@ -5065,7 +5065,7 @@
           <a:p>
             <a:fld id="{2409B469-0940-4033-AC21-E12CEF48AD07}" type="datetimeFigureOut">
               <a:rPr lang="el-GR" smtClean="0"/>
-              <a:t>15/7/2020</a:t>
+              <a:t>19/7/2020</a:t>
             </a:fld>
             <a:endParaRPr lang="el-GR"/>
           </a:p>
@@ -18703,7 +18703,7 @@
             </a:r>
             <a:r>
               <a:rPr lang="el-GR" dirty="0"/>
-              <a:t>και οι τύπου που χρησιμοποιούνται περισσότερο στην τιμή του </a:t>
+              <a:t>και οι τύποι που χρησιμοποιούνται περισσότερο στην τιμή του </a:t>
             </a:r>
             <a:r>
               <a:rPr lang="en-US" dirty="0"/>
